--- a/LTI_HTML_CSS_JS/Javascript_.pptx
+++ b/LTI_HTML_CSS_JS/Javascript_.pptx
@@ -266,7 +266,7 @@
           <a:p>
             <a:fld id="{AF97761A-5A13-4F25-838D-9790500E194D}" type="datetimeFigureOut">
               <a:rPr lang="en-US" smtClean="0"/>
-              <a:t>6/4/2022</a:t>
+              <a:t>1/4/2023</a:t>
             </a:fld>
             <a:endParaRPr lang="en-US"/>
           </a:p>
@@ -434,7 +434,7 @@
           <a:p>
             <a:fld id="{AF97761A-5A13-4F25-838D-9790500E194D}" type="datetimeFigureOut">
               <a:rPr lang="en-US" smtClean="0"/>
-              <a:t>6/4/2022</a:t>
+              <a:t>1/4/2023</a:t>
             </a:fld>
             <a:endParaRPr lang="en-US"/>
           </a:p>
@@ -612,7 +612,7 @@
           <a:p>
             <a:fld id="{AF97761A-5A13-4F25-838D-9790500E194D}" type="datetimeFigureOut">
               <a:rPr lang="en-US" smtClean="0"/>
-              <a:t>6/4/2022</a:t>
+              <a:t>1/4/2023</a:t>
             </a:fld>
             <a:endParaRPr lang="en-US"/>
           </a:p>
@@ -780,7 +780,7 @@
           <a:p>
             <a:fld id="{AF97761A-5A13-4F25-838D-9790500E194D}" type="datetimeFigureOut">
               <a:rPr lang="en-US" smtClean="0"/>
-              <a:t>6/4/2022</a:t>
+              <a:t>1/4/2023</a:t>
             </a:fld>
             <a:endParaRPr lang="en-US"/>
           </a:p>
@@ -1025,7 +1025,7 @@
           <a:p>
             <a:fld id="{AF97761A-5A13-4F25-838D-9790500E194D}" type="datetimeFigureOut">
               <a:rPr lang="en-US" smtClean="0"/>
-              <a:t>6/4/2022</a:t>
+              <a:t>1/4/2023</a:t>
             </a:fld>
             <a:endParaRPr lang="en-US"/>
           </a:p>
@@ -1254,7 +1254,7 @@
           <a:p>
             <a:fld id="{AF97761A-5A13-4F25-838D-9790500E194D}" type="datetimeFigureOut">
               <a:rPr lang="en-US" smtClean="0"/>
-              <a:t>6/4/2022</a:t>
+              <a:t>1/4/2023</a:t>
             </a:fld>
             <a:endParaRPr lang="en-US"/>
           </a:p>
@@ -1618,7 +1618,7 @@
           <a:p>
             <a:fld id="{AF97761A-5A13-4F25-838D-9790500E194D}" type="datetimeFigureOut">
               <a:rPr lang="en-US" smtClean="0"/>
-              <a:t>6/4/2022</a:t>
+              <a:t>1/4/2023</a:t>
             </a:fld>
             <a:endParaRPr lang="en-US"/>
           </a:p>
@@ -1735,7 +1735,7 @@
           <a:p>
             <a:fld id="{AF97761A-5A13-4F25-838D-9790500E194D}" type="datetimeFigureOut">
               <a:rPr lang="en-US" smtClean="0"/>
-              <a:t>6/4/2022</a:t>
+              <a:t>1/4/2023</a:t>
             </a:fld>
             <a:endParaRPr lang="en-US"/>
           </a:p>
@@ -1830,7 +1830,7 @@
           <a:p>
             <a:fld id="{AF97761A-5A13-4F25-838D-9790500E194D}" type="datetimeFigureOut">
               <a:rPr lang="en-US" smtClean="0"/>
-              <a:t>6/4/2022</a:t>
+              <a:t>1/4/2023</a:t>
             </a:fld>
             <a:endParaRPr lang="en-US"/>
           </a:p>
@@ -2105,7 +2105,7 @@
           <a:p>
             <a:fld id="{AF97761A-5A13-4F25-838D-9790500E194D}" type="datetimeFigureOut">
               <a:rPr lang="en-US" smtClean="0"/>
-              <a:t>6/4/2022</a:t>
+              <a:t>1/4/2023</a:t>
             </a:fld>
             <a:endParaRPr lang="en-US"/>
           </a:p>
@@ -2357,7 +2357,7 @@
           <a:p>
             <a:fld id="{AF97761A-5A13-4F25-838D-9790500E194D}" type="datetimeFigureOut">
               <a:rPr lang="en-US" smtClean="0"/>
-              <a:t>6/4/2022</a:t>
+              <a:t>1/4/2023</a:t>
             </a:fld>
             <a:endParaRPr lang="en-US"/>
           </a:p>
@@ -2568,7 +2568,7 @@
           <a:p>
             <a:fld id="{AF97761A-5A13-4F25-838D-9790500E194D}" type="datetimeFigureOut">
               <a:rPr lang="en-US" smtClean="0"/>
-              <a:t>6/4/2022</a:t>
+              <a:t>1/4/2023</a:t>
             </a:fld>
             <a:endParaRPr lang="en-US"/>
           </a:p>
@@ -5591,6 +5591,41 @@
           </a:p>
         </p:txBody>
       </p:sp>
+      <p:sp>
+        <p:nvSpPr>
+          <p:cNvPr id="5" name="TextBox 4">
+            <a:extLst>
+              <a:ext uri="{FF2B5EF4-FFF2-40B4-BE49-F238E27FC236}">
+                <a16:creationId xmlns:a16="http://schemas.microsoft.com/office/drawing/2014/main" id="{39D734D5-BC89-F3E3-2109-CE89A305DA4B}"/>
+              </a:ext>
+            </a:extLst>
+          </p:cNvPr>
+          <p:cNvSpPr txBox="1"/>
+          <p:nvPr/>
+        </p:nvSpPr>
+        <p:spPr>
+          <a:xfrm>
+            <a:off x="907171" y="3860801"/>
+            <a:ext cx="7997131" cy="369332"/>
+          </a:xfrm>
+          <a:prstGeom prst="rect">
+            <a:avLst/>
+          </a:prstGeom>
+          <a:noFill/>
+        </p:spPr>
+        <p:txBody>
+          <a:bodyPr wrap="square">
+            <a:spAutoFit/>
+          </a:bodyPr>
+          <a:lstStyle/>
+          <a:p>
+            <a:r>
+              <a:rPr lang="en-IN" dirty="0"/>
+              <a:t>https://www.w3resource.com/javascript/form/credit-card-validation.php</a:t>
+            </a:r>
+          </a:p>
+        </p:txBody>
+      </p:sp>
     </p:spTree>
     <p:extLst>
       <p:ext uri="{BB962C8B-B14F-4D97-AF65-F5344CB8AC3E}">
